--- a/Pitch Deck.pptx
+++ b/Pitch Deck.pptx
@@ -6,14 +6,18 @@
   </p:sldMasterIdLst>
   <p:sldIdLst>
     <p:sldId id="256" r:id="rId2"/>
-    <p:sldId id="257" r:id="rId3"/>
-    <p:sldId id="258" r:id="rId4"/>
-    <p:sldId id="259" r:id="rId5"/>
-    <p:sldId id="260" r:id="rId6"/>
-    <p:sldId id="261" r:id="rId7"/>
-    <p:sldId id="262" r:id="rId8"/>
-    <p:sldId id="263" r:id="rId9"/>
-    <p:sldId id="264" r:id="rId10"/>
+    <p:sldId id="265" r:id="rId3"/>
+    <p:sldId id="266" r:id="rId4"/>
+    <p:sldId id="267" r:id="rId5"/>
+    <p:sldId id="268" r:id="rId6"/>
+    <p:sldId id="257" r:id="rId7"/>
+    <p:sldId id="258" r:id="rId8"/>
+    <p:sldId id="259" r:id="rId9"/>
+    <p:sldId id="260" r:id="rId10"/>
+    <p:sldId id="261" r:id="rId11"/>
+    <p:sldId id="262" r:id="rId12"/>
+    <p:sldId id="263" r:id="rId13"/>
+    <p:sldId id="264" r:id="rId14"/>
   </p:sldIdLst>
   <p:sldSz cx="9144000" cy="6858000" type="screen4x3"/>
   <p:notesSz cx="6858000" cy="9144000"/>
@@ -3215,7 +3219,7 @@
 </p:sld>
 </file>
 
-<file path=ppt/slides/slide2.xml><?xml version="1.0" encoding="utf-8"?>
+<file path=ppt/slides/slide10.xml><?xml version="1.0" encoding="utf-8"?>
 <p:sld xmlns:a="http://schemas.openxmlformats.org/drawingml/2006/main" xmlns:r="http://schemas.openxmlformats.org/officeDocument/2006/relationships" xmlns:p="http://schemas.openxmlformats.org/presentationml/2006/main">
   <p:cSld>
     <p:spTree>
@@ -3321,7 +3325,7 @@
                 <a:latin typeface="Courier New" pitchFamily="49" charset="0"/>
                 <a:cs typeface="Courier New" pitchFamily="49" charset="0"/>
               </a:rPr>
-              <a:t>PHOTOFOLIO’S FEATURES</a:t>
+              <a:t>PHOTOFOLIO’S ADVANTAGES</a:t>
             </a:r>
           </a:p>
           <a:p>
@@ -3357,7 +3361,7 @@
     </p:spTree>
     <p:extLst>
       <p:ext uri="{BB962C8B-B14F-4D97-AF65-F5344CB8AC3E}">
-        <p14:creationId xmlns:p14="http://schemas.microsoft.com/office/powerpoint/2010/main" val="945752020"/>
+        <p14:creationId xmlns:p14="http://schemas.microsoft.com/office/powerpoint/2010/main" val="650841997"/>
       </p:ext>
     </p:extLst>
   </p:cSld>
@@ -3374,7 +3378,7 @@
 </p:sld>
 </file>
 
-<file path=ppt/slides/slide3.xml><?xml version="1.0" encoding="utf-8"?>
+<file path=ppt/slides/slide11.xml><?xml version="1.0" encoding="utf-8"?>
 <p:sld xmlns:a="http://schemas.openxmlformats.org/drawingml/2006/main" xmlns:r="http://schemas.openxmlformats.org/officeDocument/2006/relationships" xmlns:p="http://schemas.openxmlformats.org/presentationml/2006/main">
   <p:cSld>
     <p:spTree>
@@ -3393,7 +3397,7 @@
       </p:grpSpPr>
       <p:sp>
         <p:nvSpPr>
-          <p:cNvPr id="4" name="Rectangle 3"/>
+          <p:cNvPr id="2" name="Rectangle 1"/>
           <p:cNvSpPr/>
           <p:nvPr/>
         </p:nvSpPr>
@@ -3446,14 +3450,14 @@
       </p:sp>
       <p:sp>
         <p:nvSpPr>
-          <p:cNvPr id="5" name="TextBox 4"/>
+          <p:cNvPr id="3" name="TextBox 2"/>
           <p:cNvSpPr txBox="1"/>
           <p:nvPr/>
         </p:nvSpPr>
         <p:spPr>
           <a:xfrm>
-            <a:off x="1143000" y="1083247"/>
-            <a:ext cx="6858000" cy="4524315"/>
+            <a:off x="914400" y="1083247"/>
+            <a:ext cx="7543800" cy="4401205"/>
           </a:xfrm>
           <a:prstGeom prst="rect">
             <a:avLst/>
@@ -3467,7 +3471,7 @@
           <a:lstStyle/>
           <a:p>
             <a:r>
-              <a:rPr lang="en-US" sz="3600" b="1" dirty="0" smtClean="0">
+              <a:rPr lang="en-US" sz="4000" b="1" dirty="0" smtClean="0">
                 <a:ln>
                   <a:solidFill>
                     <a:schemeClr val="tx1"/>
@@ -3479,11 +3483,11 @@
                 <a:latin typeface="Courier New" pitchFamily="49" charset="0"/>
                 <a:cs typeface="Courier New" pitchFamily="49" charset="0"/>
               </a:rPr>
-              <a:t>SIMPLE USER INTERFACE &amp; ACCESSIBLE TO ALL USERS</a:t>
-            </a:r>
-          </a:p>
-          <a:p>
-            <a:endParaRPr lang="en-US" sz="3600" b="1" dirty="0">
+              <a:t>ONLINE TRAVEL JOURNAL</a:t>
+            </a:r>
+          </a:p>
+          <a:p>
+            <a:endParaRPr lang="en-US" sz="4000" b="1" dirty="0">
               <a:ln>
                 <a:solidFill>
                   <a:schemeClr val="tx1"/>
@@ -3498,7 +3502,7 @@
           </a:p>
           <a:p>
             <a:r>
-              <a:rPr lang="en-US" sz="3600" b="1" dirty="0" smtClean="0">
+              <a:rPr lang="en-US" sz="4000" b="1" dirty="0" smtClean="0">
                 <a:ln>
                   <a:solidFill>
                     <a:schemeClr val="tx1"/>
@@ -3510,7 +3514,7 @@
                 <a:latin typeface="Courier New" pitchFamily="49" charset="0"/>
                 <a:cs typeface="Courier New" pitchFamily="49" charset="0"/>
               </a:rPr>
-              <a:t>	A user-friendly website that has simple user interface and easy accessible for all the users in any age. </a:t>
+              <a:t>	This website will serves as an online travel blog for the people who likes adventure</a:t>
             </a:r>
           </a:p>
         </p:txBody>
@@ -3518,24 +3522,17 @@
     </p:spTree>
     <p:extLst>
       <p:ext uri="{BB962C8B-B14F-4D97-AF65-F5344CB8AC3E}">
-        <p14:creationId xmlns:p14="http://schemas.microsoft.com/office/powerpoint/2010/main" val="2142855410"/>
+        <p14:creationId xmlns:p14="http://schemas.microsoft.com/office/powerpoint/2010/main" val="2933924880"/>
       </p:ext>
     </p:extLst>
   </p:cSld>
   <p:clrMapOvr>
     <a:masterClrMapping/>
   </p:clrMapOvr>
-  <p:timing>
-    <p:tnLst>
-      <p:par>
-        <p:cTn id="1" dur="indefinite" restart="never" nodeType="tmRoot"/>
-      </p:par>
-    </p:tnLst>
-  </p:timing>
 </p:sld>
 </file>
 
-<file path=ppt/slides/slide4.xml><?xml version="1.0" encoding="utf-8"?>
+<file path=ppt/slides/slide12.xml><?xml version="1.0" encoding="utf-8"?>
 <p:sld xmlns:a="http://schemas.openxmlformats.org/drawingml/2006/main" xmlns:r="http://schemas.openxmlformats.org/officeDocument/2006/relationships" xmlns:p="http://schemas.openxmlformats.org/presentationml/2006/main">
   <p:cSld>
     <p:spTree>
@@ -3613,8 +3610,8 @@
         </p:nvSpPr>
         <p:spPr>
           <a:xfrm>
-            <a:off x="914400" y="1083247"/>
-            <a:ext cx="7347045" cy="4401205"/>
+            <a:off x="914400" y="990600"/>
+            <a:ext cx="7543800" cy="5078313"/>
           </a:xfrm>
           <a:prstGeom prst="rect">
             <a:avLst/>
@@ -3628,7 +3625,7 @@
           <a:lstStyle/>
           <a:p>
             <a:r>
-              <a:rPr lang="en-US" sz="4000" b="1" dirty="0" smtClean="0">
+              <a:rPr lang="en-US" sz="3600" b="1" dirty="0" smtClean="0">
                 <a:ln>
                   <a:solidFill>
                     <a:schemeClr val="tx1"/>
@@ -3640,9 +3637,11 @@
                 <a:latin typeface="Courier New" pitchFamily="49" charset="0"/>
                 <a:cs typeface="Courier New" pitchFamily="49" charset="0"/>
               </a:rPr>
-              <a:t>EFFECTIVE NAVIGATION</a:t>
-            </a:r>
-            <a:endParaRPr lang="en-US" sz="4000" b="1" dirty="0">
+              <a:t>LEARN NEW SKILLS</a:t>
+            </a:r>
+          </a:p>
+          <a:p>
+            <a:endParaRPr lang="en-US" sz="3600" b="1" dirty="0">
               <a:ln>
                 <a:solidFill>
                   <a:schemeClr val="tx1"/>
@@ -3657,7 +3656,7 @@
           </a:p>
           <a:p>
             <a:r>
-              <a:rPr lang="en-US" sz="4000" b="1" dirty="0" smtClean="0">
+              <a:rPr lang="en-US" sz="3600" b="1" dirty="0" smtClean="0">
                 <a:ln>
                   <a:solidFill>
                     <a:schemeClr val="tx1"/>
@@ -3669,39 +3668,7 @@
                 <a:latin typeface="Courier New" pitchFamily="49" charset="0"/>
                 <a:cs typeface="Courier New" pitchFamily="49" charset="0"/>
               </a:rPr>
-              <a:t>	</a:t>
-            </a:r>
-          </a:p>
-          <a:p>
-            <a:r>
-              <a:rPr lang="en-US" sz="4000" b="1" dirty="0">
-                <a:ln>
-                  <a:solidFill>
-                    <a:schemeClr val="tx1"/>
-                  </a:solidFill>
-                </a:ln>
-                <a:solidFill>
-                  <a:schemeClr val="bg1"/>
-                </a:solidFill>
-                <a:latin typeface="Courier New" pitchFamily="49" charset="0"/>
-                <a:cs typeface="Courier New" pitchFamily="49" charset="0"/>
-              </a:rPr>
-              <a:t>	</a:t>
-            </a:r>
-            <a:r>
-              <a:rPr lang="en-US" sz="4000" b="1" dirty="0" smtClean="0">
-                <a:ln>
-                  <a:solidFill>
-                    <a:schemeClr val="tx1"/>
-                  </a:solidFill>
-                </a:ln>
-                <a:solidFill>
-                  <a:schemeClr val="bg1"/>
-                </a:solidFill>
-                <a:latin typeface="Courier New" pitchFamily="49" charset="0"/>
-                <a:cs typeface="Courier New" pitchFamily="49" charset="0"/>
-              </a:rPr>
-              <a:t>It has a good search feature, multiple ways to explore, easy uploading of photos, fast button action</a:t>
+              <a:t>	This website will help other adventurers to know the other skills they could learn in a particular country most especially its culture and tradition</a:t>
             </a:r>
           </a:p>
         </p:txBody>
@@ -3709,7 +3676,7 @@
     </p:spTree>
     <p:extLst>
       <p:ext uri="{BB962C8B-B14F-4D97-AF65-F5344CB8AC3E}">
-        <p14:creationId xmlns:p14="http://schemas.microsoft.com/office/powerpoint/2010/main" val="3205342224"/>
+        <p14:creationId xmlns:p14="http://schemas.microsoft.com/office/powerpoint/2010/main" val="3285269414"/>
       </p:ext>
     </p:extLst>
   </p:cSld>
@@ -3719,7 +3686,7 @@
 </p:sld>
 </file>
 
-<file path=ppt/slides/slide5.xml><?xml version="1.0" encoding="utf-8"?>
+<file path=ppt/slides/slide13.xml><?xml version="1.0" encoding="utf-8"?>
 <p:sld xmlns:a="http://schemas.openxmlformats.org/drawingml/2006/main" xmlns:r="http://schemas.openxmlformats.org/officeDocument/2006/relationships" xmlns:p="http://schemas.openxmlformats.org/presentationml/2006/main">
   <p:cSld>
     <p:spTree>
@@ -3797,8 +3764,8 @@
         </p:nvSpPr>
         <p:spPr>
           <a:xfrm>
-            <a:off x="914400" y="1083247"/>
-            <a:ext cx="7543800" cy="3785652"/>
+            <a:off x="914400" y="990600"/>
+            <a:ext cx="7543800" cy="4524315"/>
           </a:xfrm>
           <a:prstGeom prst="rect">
             <a:avLst/>
@@ -3812,7 +3779,7 @@
           <a:lstStyle/>
           <a:p>
             <a:r>
-              <a:rPr lang="en-US" sz="4000" b="1" dirty="0" smtClean="0">
+              <a:rPr lang="en-US" sz="3600" b="1" dirty="0" smtClean="0">
                 <a:ln>
                   <a:solidFill>
                     <a:schemeClr val="tx1"/>
@@ -3824,11 +3791,11 @@
                 <a:latin typeface="Courier New" pitchFamily="49" charset="0"/>
                 <a:cs typeface="Courier New" pitchFamily="49" charset="0"/>
               </a:rPr>
-              <a:t>MOBILE COMPATABILITY</a:t>
-            </a:r>
-          </a:p>
-          <a:p>
-            <a:endParaRPr lang="en-US" sz="4000" b="1" dirty="0">
+              <a:t>PEOPLE ARE CONNECTED AROUND THE WORLD</a:t>
+            </a:r>
+          </a:p>
+          <a:p>
+            <a:endParaRPr lang="en-US" sz="3600" b="1" dirty="0">
               <a:ln>
                 <a:solidFill>
                   <a:schemeClr val="tx1"/>
@@ -3843,7 +3810,7 @@
           </a:p>
           <a:p>
             <a:r>
-              <a:rPr lang="en-US" sz="4000" b="1" dirty="0" smtClean="0">
+              <a:rPr lang="en-US" sz="3600" b="1" dirty="0" smtClean="0">
                 <a:ln>
                   <a:solidFill>
                     <a:schemeClr val="tx1"/>
@@ -3855,7 +3822,7 @@
                 <a:latin typeface="Courier New" pitchFamily="49" charset="0"/>
                 <a:cs typeface="Courier New" pitchFamily="49" charset="0"/>
               </a:rPr>
-              <a:t>	People can use their phones to access this website with no hassle and fast loading</a:t>
+              <a:t>	Even the people who don’t have much time travelling can see the beautiful places other travellers </a:t>
             </a:r>
           </a:p>
         </p:txBody>
@@ -3863,7 +3830,7 @@
     </p:spTree>
     <p:extLst>
       <p:ext uri="{BB962C8B-B14F-4D97-AF65-F5344CB8AC3E}">
-        <p14:creationId xmlns:p14="http://schemas.microsoft.com/office/powerpoint/2010/main" val="3416975284"/>
+        <p14:creationId xmlns:p14="http://schemas.microsoft.com/office/powerpoint/2010/main" val="1850092605"/>
       </p:ext>
     </p:extLst>
   </p:cSld>
@@ -3873,7 +3840,7 @@
 </p:sld>
 </file>
 
-<file path=ppt/slides/slide6.xml><?xml version="1.0" encoding="utf-8"?>
+<file path=ppt/slides/slide2.xml><?xml version="1.0" encoding="utf-8"?>
 <p:sld xmlns:a="http://schemas.openxmlformats.org/drawingml/2006/main" xmlns:r="http://schemas.openxmlformats.org/officeDocument/2006/relationships" xmlns:p="http://schemas.openxmlformats.org/presentationml/2006/main">
   <p:cSld>
     <p:spTree>
@@ -3892,7 +3859,7 @@
       </p:grpSpPr>
       <p:sp>
         <p:nvSpPr>
-          <p:cNvPr id="4" name="Rectangle 3"/>
+          <p:cNvPr id="5" name="Rectangle 4"/>
           <p:cNvSpPr/>
           <p:nvPr/>
         </p:nvSpPr>
@@ -3943,79 +3910,39 @@
           </a:p>
         </p:txBody>
       </p:sp>
-      <p:sp>
-        <p:nvSpPr>
-          <p:cNvPr id="5" name="TextBox 4"/>
-          <p:cNvSpPr txBox="1"/>
+      <p:pic>
+        <p:nvPicPr>
+          <p:cNvPr id="2" name="Picture 1"/>
+          <p:cNvPicPr>
+            <a:picLocks noChangeAspect="1"/>
+          </p:cNvPicPr>
           <p:nvPr/>
-        </p:nvSpPr>
+        </p:nvPicPr>
+        <p:blipFill rotWithShape="1">
+          <a:blip r:embed="rId2">
+            <a:extLst>
+              <a:ext uri="{28A0092B-C50C-407E-A947-70E740481C1C}">
+                <a14:useLocalDpi xmlns:a14="http://schemas.microsoft.com/office/drawing/2010/main" val="0"/>
+              </a:ext>
+            </a:extLst>
+          </a:blip>
+          <a:srcRect b="6899"/>
+          <a:stretch/>
+        </p:blipFill>
         <p:spPr>
           <a:xfrm>
-            <a:off x="1180632" y="2286000"/>
-            <a:ext cx="6858000" cy="3539430"/>
+            <a:off x="1277563" y="1276773"/>
+            <a:ext cx="6652564" cy="4311205"/>
           </a:xfrm>
           <a:prstGeom prst="rect">
             <a:avLst/>
           </a:prstGeom>
-          <a:noFill/>
         </p:spPr>
-        <p:txBody>
-          <a:bodyPr wrap="square" rtlCol="0">
-            <a:spAutoFit/>
-          </a:bodyPr>
-          <a:lstStyle/>
-          <a:p>
-            <a:pPr algn="ctr"/>
-            <a:r>
-              <a:rPr lang="en-US" sz="7000" b="1" dirty="0" smtClean="0">
-                <a:ln>
-                  <a:solidFill>
-                    <a:schemeClr val="tx1"/>
-                  </a:solidFill>
-                </a:ln>
-                <a:solidFill>
-                  <a:schemeClr val="bg1"/>
-                </a:solidFill>
-                <a:latin typeface="Courier New" pitchFamily="49" charset="0"/>
-                <a:cs typeface="Courier New" pitchFamily="49" charset="0"/>
-              </a:rPr>
-              <a:t>PHOTOFOLIO’S ADVANTAGES</a:t>
-            </a:r>
-          </a:p>
-          <a:p>
-            <a:endParaRPr lang="en-US" sz="4000" b="1" dirty="0">
-              <a:ln>
-                <a:solidFill>
-                  <a:schemeClr val="tx1"/>
-                </a:solidFill>
-              </a:ln>
-              <a:solidFill>
-                <a:schemeClr val="bg1"/>
-              </a:solidFill>
-              <a:latin typeface="Courier New" pitchFamily="49" charset="0"/>
-              <a:cs typeface="Courier New" pitchFamily="49" charset="0"/>
-            </a:endParaRPr>
-          </a:p>
-          <a:p>
-            <a:endParaRPr lang="en-US" sz="4000" b="1" dirty="0">
-              <a:ln>
-                <a:solidFill>
-                  <a:schemeClr val="tx1"/>
-                </a:solidFill>
-              </a:ln>
-              <a:solidFill>
-                <a:schemeClr val="bg1"/>
-              </a:solidFill>
-              <a:latin typeface="Courier New" pitchFamily="49" charset="0"/>
-              <a:cs typeface="Courier New" pitchFamily="49" charset="0"/>
-            </a:endParaRPr>
-          </a:p>
-        </p:txBody>
-      </p:sp>
+      </p:pic>
     </p:spTree>
     <p:extLst>
       <p:ext uri="{BB962C8B-B14F-4D97-AF65-F5344CB8AC3E}">
-        <p14:creationId xmlns:p14="http://schemas.microsoft.com/office/powerpoint/2010/main" val="650841997"/>
+        <p14:creationId xmlns:p14="http://schemas.microsoft.com/office/powerpoint/2010/main" val="4041334817"/>
       </p:ext>
     </p:extLst>
   </p:cSld>
@@ -4032,7 +3959,7 @@
 </p:sld>
 </file>
 
-<file path=ppt/slides/slide7.xml><?xml version="1.0" encoding="utf-8"?>
+<file path=ppt/slides/slide3.xml><?xml version="1.0" encoding="utf-8"?>
 <p:sld xmlns:a="http://schemas.openxmlformats.org/drawingml/2006/main" xmlns:r="http://schemas.openxmlformats.org/officeDocument/2006/relationships" xmlns:p="http://schemas.openxmlformats.org/presentationml/2006/main">
   <p:cSld>
     <p:spTree>
@@ -4051,7 +3978,7 @@
       </p:grpSpPr>
       <p:sp>
         <p:nvSpPr>
-          <p:cNvPr id="2" name="Rectangle 1"/>
+          <p:cNvPr id="5" name="Rectangle 4"/>
           <p:cNvSpPr/>
           <p:nvPr/>
         </p:nvSpPr>
@@ -4102,91 +4029,85 @@
           </a:p>
         </p:txBody>
       </p:sp>
-      <p:sp>
-        <p:nvSpPr>
-          <p:cNvPr id="3" name="TextBox 2"/>
-          <p:cNvSpPr txBox="1"/>
+      <p:pic>
+        <p:nvPicPr>
+          <p:cNvPr id="2" name="Picture 1"/>
+          <p:cNvPicPr>
+            <a:picLocks noChangeAspect="1"/>
+          </p:cNvPicPr>
           <p:nvPr/>
-        </p:nvSpPr>
+        </p:nvPicPr>
+        <p:blipFill rotWithShape="1">
+          <a:blip r:embed="rId2">
+            <a:extLst>
+              <a:ext uri="{28A0092B-C50C-407E-A947-70E740481C1C}">
+                <a14:useLocalDpi xmlns:a14="http://schemas.microsoft.com/office/drawing/2010/main" val="0"/>
+              </a:ext>
+            </a:extLst>
+          </a:blip>
+          <a:srcRect b="6899"/>
+          <a:stretch/>
+        </p:blipFill>
         <p:spPr>
           <a:xfrm>
-            <a:off x="914400" y="1083247"/>
-            <a:ext cx="7543800" cy="4401205"/>
+            <a:off x="1277563" y="1276773"/>
+            <a:ext cx="6652564" cy="4311205"/>
           </a:xfrm>
           <a:prstGeom prst="rect">
             <a:avLst/>
           </a:prstGeom>
-          <a:noFill/>
         </p:spPr>
-        <p:txBody>
-          <a:bodyPr wrap="square" rtlCol="0">
-            <a:spAutoFit/>
-          </a:bodyPr>
-          <a:lstStyle/>
-          <a:p>
-            <a:r>
-              <a:rPr lang="en-US" sz="4000" b="1" dirty="0" smtClean="0">
-                <a:ln>
-                  <a:solidFill>
-                    <a:schemeClr val="tx1"/>
-                  </a:solidFill>
-                </a:ln>
-                <a:solidFill>
-                  <a:schemeClr val="bg1"/>
-                </a:solidFill>
-                <a:latin typeface="Courier New" pitchFamily="49" charset="0"/>
-                <a:cs typeface="Courier New" pitchFamily="49" charset="0"/>
-              </a:rPr>
-              <a:t>ONLINE TRAVEL JOURNAL</a:t>
-            </a:r>
-          </a:p>
-          <a:p>
-            <a:endParaRPr lang="en-US" sz="4000" b="1" dirty="0">
-              <a:ln>
-                <a:solidFill>
-                  <a:schemeClr val="tx1"/>
-                </a:solidFill>
-              </a:ln>
-              <a:solidFill>
-                <a:schemeClr val="bg1"/>
-              </a:solidFill>
-              <a:latin typeface="Courier New" pitchFamily="49" charset="0"/>
-              <a:cs typeface="Courier New" pitchFamily="49" charset="0"/>
-            </a:endParaRPr>
-          </a:p>
-          <a:p>
-            <a:r>
-              <a:rPr lang="en-US" sz="4000" b="1" dirty="0" smtClean="0">
-                <a:ln>
-                  <a:solidFill>
-                    <a:schemeClr val="tx1"/>
-                  </a:solidFill>
-                </a:ln>
-                <a:solidFill>
-                  <a:schemeClr val="bg1"/>
-                </a:solidFill>
-                <a:latin typeface="Courier New" pitchFamily="49" charset="0"/>
-                <a:cs typeface="Courier New" pitchFamily="49" charset="0"/>
-              </a:rPr>
-              <a:t>	This website will serves as an online travel blog for the people who likes adventure</a:t>
-            </a:r>
-          </a:p>
-        </p:txBody>
-      </p:sp>
+      </p:pic>
+      <p:pic>
+        <p:nvPicPr>
+          <p:cNvPr id="3" name="Picture 2"/>
+          <p:cNvPicPr>
+            <a:picLocks noChangeAspect="1"/>
+          </p:cNvPicPr>
+          <p:nvPr/>
+        </p:nvPicPr>
+        <p:blipFill rotWithShape="1">
+          <a:blip r:embed="rId3">
+            <a:extLst>
+              <a:ext uri="{28A0092B-C50C-407E-A947-70E740481C1C}">
+                <a14:useLocalDpi xmlns:a14="http://schemas.microsoft.com/office/drawing/2010/main" val="0"/>
+              </a:ext>
+            </a:extLst>
+          </a:blip>
+          <a:srcRect b="5951"/>
+          <a:stretch/>
+        </p:blipFill>
+        <p:spPr>
+          <a:xfrm>
+            <a:off x="1277563" y="1256517"/>
+            <a:ext cx="6652564" cy="4331461"/>
+          </a:xfrm>
+          <a:prstGeom prst="rect">
+            <a:avLst/>
+          </a:prstGeom>
+        </p:spPr>
+      </p:pic>
     </p:spTree>
     <p:extLst>
       <p:ext uri="{BB962C8B-B14F-4D97-AF65-F5344CB8AC3E}">
-        <p14:creationId xmlns:p14="http://schemas.microsoft.com/office/powerpoint/2010/main" val="2933924880"/>
+        <p14:creationId xmlns:p14="http://schemas.microsoft.com/office/powerpoint/2010/main" val="2069784480"/>
       </p:ext>
     </p:extLst>
   </p:cSld>
   <p:clrMapOvr>
     <a:masterClrMapping/>
   </p:clrMapOvr>
+  <p:timing>
+    <p:tnLst>
+      <p:par>
+        <p:cTn id="1" dur="indefinite" restart="never" nodeType="tmRoot"/>
+      </p:par>
+    </p:tnLst>
+  </p:timing>
 </p:sld>
 </file>
 
-<file path=ppt/slides/slide8.xml><?xml version="1.0" encoding="utf-8"?>
+<file path=ppt/slides/slide4.xml><?xml version="1.0" encoding="utf-8"?>
 <p:sld xmlns:a="http://schemas.openxmlformats.org/drawingml/2006/main" xmlns:r="http://schemas.openxmlformats.org/officeDocument/2006/relationships" xmlns:p="http://schemas.openxmlformats.org/presentationml/2006/main">
   <p:cSld>
     <p:spTree>
@@ -4205,7 +4126,7 @@
       </p:grpSpPr>
       <p:sp>
         <p:nvSpPr>
-          <p:cNvPr id="2" name="Rectangle 1"/>
+          <p:cNvPr id="5" name="Rectangle 4"/>
           <p:cNvSpPr/>
           <p:nvPr/>
         </p:nvSpPr>
@@ -4256,91 +4177,143 @@
           </a:p>
         </p:txBody>
       </p:sp>
-      <p:sp>
-        <p:nvSpPr>
-          <p:cNvPr id="3" name="TextBox 2"/>
-          <p:cNvSpPr txBox="1"/>
+      <p:pic>
+        <p:nvPicPr>
+          <p:cNvPr id="2" name="Picture 1"/>
+          <p:cNvPicPr>
+            <a:picLocks noChangeAspect="1"/>
+          </p:cNvPicPr>
           <p:nvPr/>
-        </p:nvSpPr>
+        </p:nvPicPr>
+        <p:blipFill rotWithShape="1">
+          <a:blip r:embed="rId2">
+            <a:extLst>
+              <a:ext uri="{28A0092B-C50C-407E-A947-70E740481C1C}">
+                <a14:useLocalDpi xmlns:a14="http://schemas.microsoft.com/office/drawing/2010/main" val="0"/>
+              </a:ext>
+            </a:extLst>
+          </a:blip>
+          <a:srcRect b="6899"/>
+          <a:stretch/>
+        </p:blipFill>
         <p:spPr>
           <a:xfrm>
-            <a:off x="914400" y="990600"/>
-            <a:ext cx="7543800" cy="5078313"/>
+            <a:off x="1277563" y="1276773"/>
+            <a:ext cx="6652564" cy="4311205"/>
           </a:xfrm>
           <a:prstGeom prst="rect">
             <a:avLst/>
           </a:prstGeom>
-          <a:noFill/>
         </p:spPr>
-        <p:txBody>
-          <a:bodyPr wrap="square" rtlCol="0">
-            <a:spAutoFit/>
-          </a:bodyPr>
-          <a:lstStyle/>
-          <a:p>
-            <a:r>
-              <a:rPr lang="en-US" sz="3600" b="1" dirty="0" smtClean="0">
-                <a:ln>
-                  <a:solidFill>
-                    <a:schemeClr val="tx1"/>
-                  </a:solidFill>
-                </a:ln>
-                <a:solidFill>
-                  <a:schemeClr val="bg1"/>
-                </a:solidFill>
-                <a:latin typeface="Courier New" pitchFamily="49" charset="0"/>
-                <a:cs typeface="Courier New" pitchFamily="49" charset="0"/>
-              </a:rPr>
-              <a:t>LEARN NEW SKILLS</a:t>
-            </a:r>
-          </a:p>
-          <a:p>
-            <a:endParaRPr lang="en-US" sz="3600" b="1" dirty="0">
-              <a:ln>
-                <a:solidFill>
-                  <a:schemeClr val="tx1"/>
-                </a:solidFill>
-              </a:ln>
-              <a:solidFill>
-                <a:schemeClr val="bg1"/>
-              </a:solidFill>
-              <a:latin typeface="Courier New" pitchFamily="49" charset="0"/>
-              <a:cs typeface="Courier New" pitchFamily="49" charset="0"/>
-            </a:endParaRPr>
-          </a:p>
-          <a:p>
-            <a:r>
-              <a:rPr lang="en-US" sz="3600" b="1" dirty="0" smtClean="0">
-                <a:ln>
-                  <a:solidFill>
-                    <a:schemeClr val="tx1"/>
-                  </a:solidFill>
-                </a:ln>
-                <a:solidFill>
-                  <a:schemeClr val="bg1"/>
-                </a:solidFill>
-                <a:latin typeface="Courier New" pitchFamily="49" charset="0"/>
-                <a:cs typeface="Courier New" pitchFamily="49" charset="0"/>
-              </a:rPr>
-              <a:t>	This website will help other adventurers to know the other skills they could learn in a particular country most especially its culture and tradition</a:t>
-            </a:r>
-          </a:p>
-        </p:txBody>
-      </p:sp>
+      </p:pic>
+      <p:pic>
+        <p:nvPicPr>
+          <p:cNvPr id="3" name="Picture 2"/>
+          <p:cNvPicPr>
+            <a:picLocks noChangeAspect="1"/>
+          </p:cNvPicPr>
+          <p:nvPr/>
+        </p:nvPicPr>
+        <p:blipFill rotWithShape="1">
+          <a:blip r:embed="rId3">
+            <a:extLst>
+              <a:ext uri="{28A0092B-C50C-407E-A947-70E740481C1C}">
+                <a14:useLocalDpi xmlns:a14="http://schemas.microsoft.com/office/drawing/2010/main" val="0"/>
+              </a:ext>
+            </a:extLst>
+          </a:blip>
+          <a:srcRect b="5951"/>
+          <a:stretch/>
+        </p:blipFill>
+        <p:spPr>
+          <a:xfrm>
+            <a:off x="1277563" y="1256517"/>
+            <a:ext cx="6652564" cy="4331461"/>
+          </a:xfrm>
+          <a:prstGeom prst="rect">
+            <a:avLst/>
+          </a:prstGeom>
+        </p:spPr>
+      </p:pic>
+      <p:pic>
+        <p:nvPicPr>
+          <p:cNvPr id="4" name="Picture 3"/>
+          <p:cNvPicPr>
+            <a:picLocks noChangeAspect="1"/>
+          </p:cNvPicPr>
+          <p:nvPr/>
+        </p:nvPicPr>
+        <p:blipFill rotWithShape="1">
+          <a:blip r:embed="rId4">
+            <a:extLst>
+              <a:ext uri="{28A0092B-C50C-407E-A947-70E740481C1C}">
+                <a14:useLocalDpi xmlns:a14="http://schemas.microsoft.com/office/drawing/2010/main" val="0"/>
+              </a:ext>
+            </a:extLst>
+          </a:blip>
+          <a:srcRect b="6285"/>
+          <a:stretch/>
+        </p:blipFill>
+        <p:spPr>
+          <a:xfrm>
+            <a:off x="1277563" y="1250730"/>
+            <a:ext cx="6652564" cy="4337247"/>
+          </a:xfrm>
+          <a:prstGeom prst="rect">
+            <a:avLst/>
+          </a:prstGeom>
+        </p:spPr>
+      </p:pic>
+      <p:pic>
+        <p:nvPicPr>
+          <p:cNvPr id="6" name="Picture 5"/>
+          <p:cNvPicPr>
+            <a:picLocks noChangeAspect="1"/>
+          </p:cNvPicPr>
+          <p:nvPr/>
+        </p:nvPicPr>
+        <p:blipFill rotWithShape="1">
+          <a:blip r:embed="rId5">
+            <a:extLst>
+              <a:ext uri="{28A0092B-C50C-407E-A947-70E740481C1C}">
+                <a14:useLocalDpi xmlns:a14="http://schemas.microsoft.com/office/drawing/2010/main" val="0"/>
+              </a:ext>
+            </a:extLst>
+          </a:blip>
+          <a:srcRect b="6267"/>
+          <a:stretch/>
+        </p:blipFill>
+        <p:spPr>
+          <a:xfrm>
+            <a:off x="1277563" y="1250730"/>
+            <a:ext cx="6652564" cy="4337248"/>
+          </a:xfrm>
+          <a:prstGeom prst="rect">
+            <a:avLst/>
+          </a:prstGeom>
+        </p:spPr>
+      </p:pic>
     </p:spTree>
     <p:extLst>
       <p:ext uri="{BB962C8B-B14F-4D97-AF65-F5344CB8AC3E}">
-        <p14:creationId xmlns:p14="http://schemas.microsoft.com/office/powerpoint/2010/main" val="3285269414"/>
+        <p14:creationId xmlns:p14="http://schemas.microsoft.com/office/powerpoint/2010/main" val="2338414606"/>
       </p:ext>
     </p:extLst>
   </p:cSld>
   <p:clrMapOvr>
     <a:masterClrMapping/>
   </p:clrMapOvr>
+  <p:timing>
+    <p:tnLst>
+      <p:par>
+        <p:cTn id="1" dur="indefinite" restart="never" nodeType="tmRoot"/>
+      </p:par>
+    </p:tnLst>
+  </p:timing>
 </p:sld>
 </file>
 
-<file path=ppt/slides/slide9.xml><?xml version="1.0" encoding="utf-8"?>
+<file path=ppt/slides/slide5.xml><?xml version="1.0" encoding="utf-8"?>
 <p:sld xmlns:a="http://schemas.openxmlformats.org/drawingml/2006/main" xmlns:r="http://schemas.openxmlformats.org/officeDocument/2006/relationships" xmlns:p="http://schemas.openxmlformats.org/presentationml/2006/main">
   <p:cSld>
     <p:spTree>
@@ -4359,7 +4332,7 @@
       </p:grpSpPr>
       <p:sp>
         <p:nvSpPr>
-          <p:cNvPr id="2" name="Rectangle 1"/>
+          <p:cNvPr id="5" name="Rectangle 4"/>
           <p:cNvSpPr/>
           <p:nvPr/>
         </p:nvSpPr>
@@ -4410,16 +4383,352 @@
           </a:p>
         </p:txBody>
       </p:sp>
-      <p:sp>
-        <p:nvSpPr>
-          <p:cNvPr id="3" name="TextBox 2"/>
+      <p:pic>
+        <p:nvPicPr>
+          <p:cNvPr id="2" name="Picture 1"/>
+          <p:cNvPicPr>
+            <a:picLocks noChangeAspect="1"/>
+          </p:cNvPicPr>
+          <p:nvPr/>
+        </p:nvPicPr>
+        <p:blipFill rotWithShape="1">
+          <a:blip r:embed="rId2">
+            <a:extLst>
+              <a:ext uri="{28A0092B-C50C-407E-A947-70E740481C1C}">
+                <a14:useLocalDpi xmlns:a14="http://schemas.microsoft.com/office/drawing/2010/main" val="0"/>
+              </a:ext>
+            </a:extLst>
+          </a:blip>
+          <a:srcRect b="6899"/>
+          <a:stretch/>
+        </p:blipFill>
+        <p:spPr>
+          <a:xfrm>
+            <a:off x="1277563" y="1276773"/>
+            <a:ext cx="6652564" cy="4311205"/>
+          </a:xfrm>
+          <a:prstGeom prst="rect">
+            <a:avLst/>
+          </a:prstGeom>
+        </p:spPr>
+      </p:pic>
+      <p:pic>
+        <p:nvPicPr>
+          <p:cNvPr id="3" name="Picture 2"/>
+          <p:cNvPicPr>
+            <a:picLocks noChangeAspect="1"/>
+          </p:cNvPicPr>
+          <p:nvPr/>
+        </p:nvPicPr>
+        <p:blipFill rotWithShape="1">
+          <a:blip r:embed="rId3">
+            <a:extLst>
+              <a:ext uri="{28A0092B-C50C-407E-A947-70E740481C1C}">
+                <a14:useLocalDpi xmlns:a14="http://schemas.microsoft.com/office/drawing/2010/main" val="0"/>
+              </a:ext>
+            </a:extLst>
+          </a:blip>
+          <a:srcRect b="5951"/>
+          <a:stretch/>
+        </p:blipFill>
+        <p:spPr>
+          <a:xfrm>
+            <a:off x="1277563" y="1256517"/>
+            <a:ext cx="6652564" cy="4331461"/>
+          </a:xfrm>
+          <a:prstGeom prst="rect">
+            <a:avLst/>
+          </a:prstGeom>
+        </p:spPr>
+      </p:pic>
+      <p:pic>
+        <p:nvPicPr>
+          <p:cNvPr id="4" name="Picture 3"/>
+          <p:cNvPicPr>
+            <a:picLocks noChangeAspect="1"/>
+          </p:cNvPicPr>
+          <p:nvPr/>
+        </p:nvPicPr>
+        <p:blipFill rotWithShape="1">
+          <a:blip r:embed="rId4">
+            <a:extLst>
+              <a:ext uri="{28A0092B-C50C-407E-A947-70E740481C1C}">
+                <a14:useLocalDpi xmlns:a14="http://schemas.microsoft.com/office/drawing/2010/main" val="0"/>
+              </a:ext>
+            </a:extLst>
+          </a:blip>
+          <a:srcRect b="6285"/>
+          <a:stretch/>
+        </p:blipFill>
+        <p:spPr>
+          <a:xfrm>
+            <a:off x="1277563" y="1250730"/>
+            <a:ext cx="6652564" cy="4337247"/>
+          </a:xfrm>
+          <a:prstGeom prst="rect">
+            <a:avLst/>
+          </a:prstGeom>
+        </p:spPr>
+      </p:pic>
+    </p:spTree>
+    <p:extLst>
+      <p:ext uri="{BB962C8B-B14F-4D97-AF65-F5344CB8AC3E}">
+        <p14:creationId xmlns:p14="http://schemas.microsoft.com/office/powerpoint/2010/main" val="2288068756"/>
+      </p:ext>
+    </p:extLst>
+  </p:cSld>
+  <p:clrMapOvr>
+    <a:masterClrMapping/>
+  </p:clrMapOvr>
+  <p:timing>
+    <p:tnLst>
+      <p:par>
+        <p:cTn id="1" dur="indefinite" restart="never" nodeType="tmRoot"/>
+      </p:par>
+    </p:tnLst>
+  </p:timing>
+</p:sld>
+</file>
+
+<file path=ppt/slides/slide6.xml><?xml version="1.0" encoding="utf-8"?>
+<p:sld xmlns:a="http://schemas.openxmlformats.org/drawingml/2006/main" xmlns:r="http://schemas.openxmlformats.org/officeDocument/2006/relationships" xmlns:p="http://schemas.openxmlformats.org/presentationml/2006/main">
+  <p:cSld>
+    <p:spTree>
+      <p:nvGrpSpPr>
+        <p:cNvPr id="1" name=""/>
+        <p:cNvGrpSpPr/>
+        <p:nvPr/>
+      </p:nvGrpSpPr>
+      <p:grpSpPr>
+        <a:xfrm>
+          <a:off x="0" y="0"/>
+          <a:ext cx="0" cy="0"/>
+          <a:chOff x="0" y="0"/>
+          <a:chExt cx="0" cy="0"/>
+        </a:xfrm>
+      </p:grpSpPr>
+      <p:sp>
+        <p:nvSpPr>
+          <p:cNvPr id="4" name="Rectangle 3"/>
+          <p:cNvSpPr/>
+          <p:nvPr/>
+        </p:nvSpPr>
+        <p:spPr>
+          <a:xfrm>
+            <a:off x="717645" y="762000"/>
+            <a:ext cx="7772400" cy="5410200"/>
+          </a:xfrm>
+          <a:prstGeom prst="rect">
+            <a:avLst/>
+          </a:prstGeom>
+          <a:solidFill>
+            <a:schemeClr val="bg1">
+              <a:lumMod val="65000"/>
+              <a:alpha val="64000"/>
+            </a:schemeClr>
+          </a:solidFill>
+          <a:ln>
+            <a:solidFill>
+              <a:schemeClr val="bg1">
+                <a:lumMod val="65000"/>
+              </a:schemeClr>
+            </a:solidFill>
+          </a:ln>
+        </p:spPr>
+        <p:style>
+          <a:lnRef idx="2">
+            <a:schemeClr val="accent1">
+              <a:shade val="50000"/>
+            </a:schemeClr>
+          </a:lnRef>
+          <a:fillRef idx="1">
+            <a:schemeClr val="accent1"/>
+          </a:fillRef>
+          <a:effectRef idx="0">
+            <a:schemeClr val="accent1"/>
+          </a:effectRef>
+          <a:fontRef idx="minor">
+            <a:schemeClr val="lt1"/>
+          </a:fontRef>
+        </p:style>
+        <p:txBody>
+          <a:bodyPr rtlCol="0" anchor="ctr"/>
+          <a:lstStyle/>
+          <a:p>
+            <a:pPr algn="ctr"/>
+            <a:endParaRPr lang="en-US"/>
+          </a:p>
+        </p:txBody>
+      </p:sp>
+      <p:sp>
+        <p:nvSpPr>
+          <p:cNvPr id="5" name="TextBox 4"/>
           <p:cNvSpPr txBox="1"/>
           <p:nvPr/>
         </p:nvSpPr>
         <p:spPr>
           <a:xfrm>
-            <a:off x="914400" y="990600"/>
-            <a:ext cx="7543800" cy="4524315"/>
+            <a:off x="1180632" y="2286000"/>
+            <a:ext cx="6858000" cy="3539430"/>
+          </a:xfrm>
+          <a:prstGeom prst="rect">
+            <a:avLst/>
+          </a:prstGeom>
+          <a:noFill/>
+        </p:spPr>
+        <p:txBody>
+          <a:bodyPr wrap="square" rtlCol="0">
+            <a:spAutoFit/>
+          </a:bodyPr>
+          <a:lstStyle/>
+          <a:p>
+            <a:pPr algn="ctr"/>
+            <a:r>
+              <a:rPr lang="en-US" sz="7000" b="1" dirty="0" smtClean="0">
+                <a:ln>
+                  <a:solidFill>
+                    <a:schemeClr val="tx1"/>
+                  </a:solidFill>
+                </a:ln>
+                <a:solidFill>
+                  <a:schemeClr val="bg1"/>
+                </a:solidFill>
+                <a:latin typeface="Courier New" pitchFamily="49" charset="0"/>
+                <a:cs typeface="Courier New" pitchFamily="49" charset="0"/>
+              </a:rPr>
+              <a:t>PHOTOFOLIO’S FEATURES</a:t>
+            </a:r>
+          </a:p>
+          <a:p>
+            <a:endParaRPr lang="en-US" sz="4000" b="1" dirty="0">
+              <a:ln>
+                <a:solidFill>
+                  <a:schemeClr val="tx1"/>
+                </a:solidFill>
+              </a:ln>
+              <a:solidFill>
+                <a:schemeClr val="bg1"/>
+              </a:solidFill>
+              <a:latin typeface="Courier New" pitchFamily="49" charset="0"/>
+              <a:cs typeface="Courier New" pitchFamily="49" charset="0"/>
+            </a:endParaRPr>
+          </a:p>
+          <a:p>
+            <a:endParaRPr lang="en-US" sz="4000" b="1" dirty="0">
+              <a:ln>
+                <a:solidFill>
+                  <a:schemeClr val="tx1"/>
+                </a:solidFill>
+              </a:ln>
+              <a:solidFill>
+                <a:schemeClr val="bg1"/>
+              </a:solidFill>
+              <a:latin typeface="Courier New" pitchFamily="49" charset="0"/>
+              <a:cs typeface="Courier New" pitchFamily="49" charset="0"/>
+            </a:endParaRPr>
+          </a:p>
+        </p:txBody>
+      </p:sp>
+    </p:spTree>
+    <p:extLst>
+      <p:ext uri="{BB962C8B-B14F-4D97-AF65-F5344CB8AC3E}">
+        <p14:creationId xmlns:p14="http://schemas.microsoft.com/office/powerpoint/2010/main" val="945752020"/>
+      </p:ext>
+    </p:extLst>
+  </p:cSld>
+  <p:clrMapOvr>
+    <a:masterClrMapping/>
+  </p:clrMapOvr>
+  <p:timing>
+    <p:tnLst>
+      <p:par>
+        <p:cTn id="1" dur="indefinite" restart="never" nodeType="tmRoot"/>
+      </p:par>
+    </p:tnLst>
+  </p:timing>
+</p:sld>
+</file>
+
+<file path=ppt/slides/slide7.xml><?xml version="1.0" encoding="utf-8"?>
+<p:sld xmlns:a="http://schemas.openxmlformats.org/drawingml/2006/main" xmlns:r="http://schemas.openxmlformats.org/officeDocument/2006/relationships" xmlns:p="http://schemas.openxmlformats.org/presentationml/2006/main">
+  <p:cSld>
+    <p:spTree>
+      <p:nvGrpSpPr>
+        <p:cNvPr id="1" name=""/>
+        <p:cNvGrpSpPr/>
+        <p:nvPr/>
+      </p:nvGrpSpPr>
+      <p:grpSpPr>
+        <a:xfrm>
+          <a:off x="0" y="0"/>
+          <a:ext cx="0" cy="0"/>
+          <a:chOff x="0" y="0"/>
+          <a:chExt cx="0" cy="0"/>
+        </a:xfrm>
+      </p:grpSpPr>
+      <p:sp>
+        <p:nvSpPr>
+          <p:cNvPr id="4" name="Rectangle 3"/>
+          <p:cNvSpPr/>
+          <p:nvPr/>
+        </p:nvSpPr>
+        <p:spPr>
+          <a:xfrm>
+            <a:off x="717645" y="762000"/>
+            <a:ext cx="7772400" cy="5410200"/>
+          </a:xfrm>
+          <a:prstGeom prst="rect">
+            <a:avLst/>
+          </a:prstGeom>
+          <a:solidFill>
+            <a:schemeClr val="bg1">
+              <a:lumMod val="65000"/>
+              <a:alpha val="64000"/>
+            </a:schemeClr>
+          </a:solidFill>
+          <a:ln>
+            <a:solidFill>
+              <a:schemeClr val="bg1">
+                <a:lumMod val="65000"/>
+              </a:schemeClr>
+            </a:solidFill>
+          </a:ln>
+        </p:spPr>
+        <p:style>
+          <a:lnRef idx="2">
+            <a:schemeClr val="accent1">
+              <a:shade val="50000"/>
+            </a:schemeClr>
+          </a:lnRef>
+          <a:fillRef idx="1">
+            <a:schemeClr val="accent1"/>
+          </a:fillRef>
+          <a:effectRef idx="0">
+            <a:schemeClr val="accent1"/>
+          </a:effectRef>
+          <a:fontRef idx="minor">
+            <a:schemeClr val="lt1"/>
+          </a:fontRef>
+        </p:style>
+        <p:txBody>
+          <a:bodyPr rtlCol="0" anchor="ctr"/>
+          <a:lstStyle/>
+          <a:p>
+            <a:pPr algn="ctr"/>
+            <a:endParaRPr lang="en-US"/>
+          </a:p>
+        </p:txBody>
+      </p:sp>
+      <p:sp>
+        <p:nvSpPr>
+          <p:cNvPr id="5" name="TextBox 4"/>
+          <p:cNvSpPr txBox="1"/>
+          <p:nvPr/>
+        </p:nvSpPr>
+        <p:spPr>
+          <a:xfrm>
+            <a:off x="1143000" y="1083247"/>
+            <a:ext cx="6858000" cy="4524315"/>
           </a:xfrm>
           <a:prstGeom prst="rect">
             <a:avLst/>
@@ -4445,7 +4754,7 @@
                 <a:latin typeface="Courier New" pitchFamily="49" charset="0"/>
                 <a:cs typeface="Courier New" pitchFamily="49" charset="0"/>
               </a:rPr>
-              <a:t>PEOPLE ARE CONNECTED AROUND THE WORLD</a:t>
+              <a:t>SIMPLE USER INTERFACE &amp; ACCESSIBLE TO ALL USERS</a:t>
             </a:r>
           </a:p>
           <a:p>
@@ -4476,7 +4785,7 @@
                 <a:latin typeface="Courier New" pitchFamily="49" charset="0"/>
                 <a:cs typeface="Courier New" pitchFamily="49" charset="0"/>
               </a:rPr>
-              <a:t>	Even the people who don’t have much time travelling can see the beautiful places other travellers </a:t>
+              <a:t>	A user-friendly website that has simple user interface and easy accessible for all the users in any age. </a:t>
             </a:r>
           </a:p>
         </p:txBody>
@@ -4484,7 +4793,352 @@
     </p:spTree>
     <p:extLst>
       <p:ext uri="{BB962C8B-B14F-4D97-AF65-F5344CB8AC3E}">
-        <p14:creationId xmlns:p14="http://schemas.microsoft.com/office/powerpoint/2010/main" val="1850092605"/>
+        <p14:creationId xmlns:p14="http://schemas.microsoft.com/office/powerpoint/2010/main" val="2142855410"/>
+      </p:ext>
+    </p:extLst>
+  </p:cSld>
+  <p:clrMapOvr>
+    <a:masterClrMapping/>
+  </p:clrMapOvr>
+  <p:timing>
+    <p:tnLst>
+      <p:par>
+        <p:cTn id="1" dur="indefinite" restart="never" nodeType="tmRoot"/>
+      </p:par>
+    </p:tnLst>
+  </p:timing>
+</p:sld>
+</file>
+
+<file path=ppt/slides/slide8.xml><?xml version="1.0" encoding="utf-8"?>
+<p:sld xmlns:a="http://schemas.openxmlformats.org/drawingml/2006/main" xmlns:r="http://schemas.openxmlformats.org/officeDocument/2006/relationships" xmlns:p="http://schemas.openxmlformats.org/presentationml/2006/main">
+  <p:cSld>
+    <p:spTree>
+      <p:nvGrpSpPr>
+        <p:cNvPr id="1" name=""/>
+        <p:cNvGrpSpPr/>
+        <p:nvPr/>
+      </p:nvGrpSpPr>
+      <p:grpSpPr>
+        <a:xfrm>
+          <a:off x="0" y="0"/>
+          <a:ext cx="0" cy="0"/>
+          <a:chOff x="0" y="0"/>
+          <a:chExt cx="0" cy="0"/>
+        </a:xfrm>
+      </p:grpSpPr>
+      <p:sp>
+        <p:nvSpPr>
+          <p:cNvPr id="2" name="Rectangle 1"/>
+          <p:cNvSpPr/>
+          <p:nvPr/>
+        </p:nvSpPr>
+        <p:spPr>
+          <a:xfrm>
+            <a:off x="717645" y="762000"/>
+            <a:ext cx="7772400" cy="5410200"/>
+          </a:xfrm>
+          <a:prstGeom prst="rect">
+            <a:avLst/>
+          </a:prstGeom>
+          <a:solidFill>
+            <a:schemeClr val="bg1">
+              <a:lumMod val="65000"/>
+              <a:alpha val="64000"/>
+            </a:schemeClr>
+          </a:solidFill>
+          <a:ln>
+            <a:solidFill>
+              <a:schemeClr val="bg1">
+                <a:lumMod val="65000"/>
+              </a:schemeClr>
+            </a:solidFill>
+          </a:ln>
+        </p:spPr>
+        <p:style>
+          <a:lnRef idx="2">
+            <a:schemeClr val="accent1">
+              <a:shade val="50000"/>
+            </a:schemeClr>
+          </a:lnRef>
+          <a:fillRef idx="1">
+            <a:schemeClr val="accent1"/>
+          </a:fillRef>
+          <a:effectRef idx="0">
+            <a:schemeClr val="accent1"/>
+          </a:effectRef>
+          <a:fontRef idx="minor">
+            <a:schemeClr val="lt1"/>
+          </a:fontRef>
+        </p:style>
+        <p:txBody>
+          <a:bodyPr rtlCol="0" anchor="ctr"/>
+          <a:lstStyle/>
+          <a:p>
+            <a:pPr algn="ctr"/>
+            <a:endParaRPr lang="en-US"/>
+          </a:p>
+        </p:txBody>
+      </p:sp>
+      <p:sp>
+        <p:nvSpPr>
+          <p:cNvPr id="3" name="TextBox 2"/>
+          <p:cNvSpPr txBox="1"/>
+          <p:nvPr/>
+        </p:nvSpPr>
+        <p:spPr>
+          <a:xfrm>
+            <a:off x="914400" y="1083247"/>
+            <a:ext cx="7347045" cy="4401205"/>
+          </a:xfrm>
+          <a:prstGeom prst="rect">
+            <a:avLst/>
+          </a:prstGeom>
+          <a:noFill/>
+        </p:spPr>
+        <p:txBody>
+          <a:bodyPr wrap="square" rtlCol="0">
+            <a:spAutoFit/>
+          </a:bodyPr>
+          <a:lstStyle/>
+          <a:p>
+            <a:r>
+              <a:rPr lang="en-US" sz="4000" b="1" dirty="0" smtClean="0">
+                <a:ln>
+                  <a:solidFill>
+                    <a:schemeClr val="tx1"/>
+                  </a:solidFill>
+                </a:ln>
+                <a:solidFill>
+                  <a:schemeClr val="bg1"/>
+                </a:solidFill>
+                <a:latin typeface="Courier New" pitchFamily="49" charset="0"/>
+                <a:cs typeface="Courier New" pitchFamily="49" charset="0"/>
+              </a:rPr>
+              <a:t>EFFECTIVE NAVIGATION</a:t>
+            </a:r>
+            <a:endParaRPr lang="en-US" sz="4000" b="1" dirty="0">
+              <a:ln>
+                <a:solidFill>
+                  <a:schemeClr val="tx1"/>
+                </a:solidFill>
+              </a:ln>
+              <a:solidFill>
+                <a:schemeClr val="bg1"/>
+              </a:solidFill>
+              <a:latin typeface="Courier New" pitchFamily="49" charset="0"/>
+              <a:cs typeface="Courier New" pitchFamily="49" charset="0"/>
+            </a:endParaRPr>
+          </a:p>
+          <a:p>
+            <a:r>
+              <a:rPr lang="en-US" sz="4000" b="1" dirty="0" smtClean="0">
+                <a:ln>
+                  <a:solidFill>
+                    <a:schemeClr val="tx1"/>
+                  </a:solidFill>
+                </a:ln>
+                <a:solidFill>
+                  <a:schemeClr val="bg1"/>
+                </a:solidFill>
+                <a:latin typeface="Courier New" pitchFamily="49" charset="0"/>
+                <a:cs typeface="Courier New" pitchFamily="49" charset="0"/>
+              </a:rPr>
+              <a:t>	</a:t>
+            </a:r>
+          </a:p>
+          <a:p>
+            <a:r>
+              <a:rPr lang="en-US" sz="4000" b="1" dirty="0">
+                <a:ln>
+                  <a:solidFill>
+                    <a:schemeClr val="tx1"/>
+                  </a:solidFill>
+                </a:ln>
+                <a:solidFill>
+                  <a:schemeClr val="bg1"/>
+                </a:solidFill>
+                <a:latin typeface="Courier New" pitchFamily="49" charset="0"/>
+                <a:cs typeface="Courier New" pitchFamily="49" charset="0"/>
+              </a:rPr>
+              <a:t>	</a:t>
+            </a:r>
+            <a:r>
+              <a:rPr lang="en-US" sz="4000" b="1" dirty="0" smtClean="0">
+                <a:ln>
+                  <a:solidFill>
+                    <a:schemeClr val="tx1"/>
+                  </a:solidFill>
+                </a:ln>
+                <a:solidFill>
+                  <a:schemeClr val="bg1"/>
+                </a:solidFill>
+                <a:latin typeface="Courier New" pitchFamily="49" charset="0"/>
+                <a:cs typeface="Courier New" pitchFamily="49" charset="0"/>
+              </a:rPr>
+              <a:t>It has a good search feature, multiple ways to explore, easy uploading of photos, fast button action</a:t>
+            </a:r>
+          </a:p>
+        </p:txBody>
+      </p:sp>
+    </p:spTree>
+    <p:extLst>
+      <p:ext uri="{BB962C8B-B14F-4D97-AF65-F5344CB8AC3E}">
+        <p14:creationId xmlns:p14="http://schemas.microsoft.com/office/powerpoint/2010/main" val="3205342224"/>
+      </p:ext>
+    </p:extLst>
+  </p:cSld>
+  <p:clrMapOvr>
+    <a:masterClrMapping/>
+  </p:clrMapOvr>
+</p:sld>
+</file>
+
+<file path=ppt/slides/slide9.xml><?xml version="1.0" encoding="utf-8"?>
+<p:sld xmlns:a="http://schemas.openxmlformats.org/drawingml/2006/main" xmlns:r="http://schemas.openxmlformats.org/officeDocument/2006/relationships" xmlns:p="http://schemas.openxmlformats.org/presentationml/2006/main">
+  <p:cSld>
+    <p:spTree>
+      <p:nvGrpSpPr>
+        <p:cNvPr id="1" name=""/>
+        <p:cNvGrpSpPr/>
+        <p:nvPr/>
+      </p:nvGrpSpPr>
+      <p:grpSpPr>
+        <a:xfrm>
+          <a:off x="0" y="0"/>
+          <a:ext cx="0" cy="0"/>
+          <a:chOff x="0" y="0"/>
+          <a:chExt cx="0" cy="0"/>
+        </a:xfrm>
+      </p:grpSpPr>
+      <p:sp>
+        <p:nvSpPr>
+          <p:cNvPr id="2" name="Rectangle 1"/>
+          <p:cNvSpPr/>
+          <p:nvPr/>
+        </p:nvSpPr>
+        <p:spPr>
+          <a:xfrm>
+            <a:off x="717645" y="762000"/>
+            <a:ext cx="7772400" cy="5410200"/>
+          </a:xfrm>
+          <a:prstGeom prst="rect">
+            <a:avLst/>
+          </a:prstGeom>
+          <a:solidFill>
+            <a:schemeClr val="bg1">
+              <a:lumMod val="65000"/>
+              <a:alpha val="64000"/>
+            </a:schemeClr>
+          </a:solidFill>
+          <a:ln>
+            <a:solidFill>
+              <a:schemeClr val="bg1">
+                <a:lumMod val="65000"/>
+              </a:schemeClr>
+            </a:solidFill>
+          </a:ln>
+        </p:spPr>
+        <p:style>
+          <a:lnRef idx="2">
+            <a:schemeClr val="accent1">
+              <a:shade val="50000"/>
+            </a:schemeClr>
+          </a:lnRef>
+          <a:fillRef idx="1">
+            <a:schemeClr val="accent1"/>
+          </a:fillRef>
+          <a:effectRef idx="0">
+            <a:schemeClr val="accent1"/>
+          </a:effectRef>
+          <a:fontRef idx="minor">
+            <a:schemeClr val="lt1"/>
+          </a:fontRef>
+        </p:style>
+        <p:txBody>
+          <a:bodyPr rtlCol="0" anchor="ctr"/>
+          <a:lstStyle/>
+          <a:p>
+            <a:pPr algn="ctr"/>
+            <a:endParaRPr lang="en-US"/>
+          </a:p>
+        </p:txBody>
+      </p:sp>
+      <p:sp>
+        <p:nvSpPr>
+          <p:cNvPr id="3" name="TextBox 2"/>
+          <p:cNvSpPr txBox="1"/>
+          <p:nvPr/>
+        </p:nvSpPr>
+        <p:spPr>
+          <a:xfrm>
+            <a:off x="914400" y="1083247"/>
+            <a:ext cx="7543800" cy="3785652"/>
+          </a:xfrm>
+          <a:prstGeom prst="rect">
+            <a:avLst/>
+          </a:prstGeom>
+          <a:noFill/>
+        </p:spPr>
+        <p:txBody>
+          <a:bodyPr wrap="square" rtlCol="0">
+            <a:spAutoFit/>
+          </a:bodyPr>
+          <a:lstStyle/>
+          <a:p>
+            <a:r>
+              <a:rPr lang="en-US" sz="4000" b="1" dirty="0" smtClean="0">
+                <a:ln>
+                  <a:solidFill>
+                    <a:schemeClr val="tx1"/>
+                  </a:solidFill>
+                </a:ln>
+                <a:solidFill>
+                  <a:schemeClr val="bg1"/>
+                </a:solidFill>
+                <a:latin typeface="Courier New" pitchFamily="49" charset="0"/>
+                <a:cs typeface="Courier New" pitchFamily="49" charset="0"/>
+              </a:rPr>
+              <a:t>MOBILE COMPATABILITY</a:t>
+            </a:r>
+          </a:p>
+          <a:p>
+            <a:endParaRPr lang="en-US" sz="4000" b="1" dirty="0">
+              <a:ln>
+                <a:solidFill>
+                  <a:schemeClr val="tx1"/>
+                </a:solidFill>
+              </a:ln>
+              <a:solidFill>
+                <a:schemeClr val="bg1"/>
+              </a:solidFill>
+              <a:latin typeface="Courier New" pitchFamily="49" charset="0"/>
+              <a:cs typeface="Courier New" pitchFamily="49" charset="0"/>
+            </a:endParaRPr>
+          </a:p>
+          <a:p>
+            <a:r>
+              <a:rPr lang="en-US" sz="4000" b="1" dirty="0" smtClean="0">
+                <a:ln>
+                  <a:solidFill>
+                    <a:schemeClr val="tx1"/>
+                  </a:solidFill>
+                </a:ln>
+                <a:solidFill>
+                  <a:schemeClr val="bg1"/>
+                </a:solidFill>
+                <a:latin typeface="Courier New" pitchFamily="49" charset="0"/>
+                <a:cs typeface="Courier New" pitchFamily="49" charset="0"/>
+              </a:rPr>
+              <a:t>	People can use their phones to access this website with no hassle and fast loading</a:t>
+            </a:r>
+          </a:p>
+        </p:txBody>
+      </p:sp>
+    </p:spTree>
+    <p:extLst>
+      <p:ext uri="{BB962C8B-B14F-4D97-AF65-F5344CB8AC3E}">
+        <p14:creationId xmlns:p14="http://schemas.microsoft.com/office/powerpoint/2010/main" val="3416975284"/>
       </p:ext>
     </p:extLst>
   </p:cSld>

--- a/Pitch Deck.pptx
+++ b/Pitch Deck.pptx
@@ -17,7 +17,6 @@
     <p:sldId id="261" r:id="rId11"/>
     <p:sldId id="262" r:id="rId12"/>
     <p:sldId id="263" r:id="rId13"/>
-    <p:sldId id="264" r:id="rId14"/>
   </p:sldIdLst>
   <p:sldSz cx="9144000" cy="6858000" type="screen4x3"/>
   <p:notesSz cx="6858000" cy="9144000"/>
@@ -116,6 +115,22 @@
       </a:defRPr>
     </a:lvl9pPr>
   </p:defaultTextStyle>
+  <p:extLst>
+    <p:ext uri="{EFAFB233-063F-42B5-8137-9DF3F51BA10A}">
+      <p15:sldGuideLst xmlns:p15="http://schemas.microsoft.com/office/powerpoint/2012/main">
+        <p15:guide id="1" orient="horz" pos="2160">
+          <p15:clr>
+            <a:srgbClr val="A4A3A4"/>
+          </p15:clr>
+        </p15:guide>
+        <p15:guide id="2" pos="2880">
+          <p15:clr>
+            <a:srgbClr val="A4A3A4"/>
+          </p15:clr>
+        </p15:guide>
+      </p15:sldGuideLst>
+    </p:ext>
+  </p:extLst>
 </p:presentation>
 </file>
 
@@ -300,7 +315,7 @@
           <a:p>
             <a:fld id="{193AE0FE-B622-4B32-8F34-DAF9A5AB08FD}" type="datetimeFigureOut">
               <a:rPr lang="en-US" smtClean="0"/>
-              <a:t>2/21/2019</a:t>
+              <a:t>3/25/2019</a:t>
             </a:fld>
             <a:endParaRPr lang="en-US"/>
           </a:p>
@@ -470,7 +485,7 @@
           <a:p>
             <a:fld id="{193AE0FE-B622-4B32-8F34-DAF9A5AB08FD}" type="datetimeFigureOut">
               <a:rPr lang="en-US" smtClean="0"/>
-              <a:t>2/21/2019</a:t>
+              <a:t>3/25/2019</a:t>
             </a:fld>
             <a:endParaRPr lang="en-US"/>
           </a:p>
@@ -650,7 +665,7 @@
           <a:p>
             <a:fld id="{193AE0FE-B622-4B32-8F34-DAF9A5AB08FD}" type="datetimeFigureOut">
               <a:rPr lang="en-US" smtClean="0"/>
-              <a:t>2/21/2019</a:t>
+              <a:t>3/25/2019</a:t>
             </a:fld>
             <a:endParaRPr lang="en-US"/>
           </a:p>
@@ -820,7 +835,7 @@
           <a:p>
             <a:fld id="{193AE0FE-B622-4B32-8F34-DAF9A5AB08FD}" type="datetimeFigureOut">
               <a:rPr lang="en-US" smtClean="0"/>
-              <a:t>2/21/2019</a:t>
+              <a:t>3/25/2019</a:t>
             </a:fld>
             <a:endParaRPr lang="en-US"/>
           </a:p>
@@ -1066,7 +1081,7 @@
           <a:p>
             <a:fld id="{193AE0FE-B622-4B32-8F34-DAF9A5AB08FD}" type="datetimeFigureOut">
               <a:rPr lang="en-US" smtClean="0"/>
-              <a:t>2/21/2019</a:t>
+              <a:t>3/25/2019</a:t>
             </a:fld>
             <a:endParaRPr lang="en-US"/>
           </a:p>
@@ -1354,7 +1369,7 @@
           <a:p>
             <a:fld id="{193AE0FE-B622-4B32-8F34-DAF9A5AB08FD}" type="datetimeFigureOut">
               <a:rPr lang="en-US" smtClean="0"/>
-              <a:t>2/21/2019</a:t>
+              <a:t>3/25/2019</a:t>
             </a:fld>
             <a:endParaRPr lang="en-US"/>
           </a:p>
@@ -1776,7 +1791,7 @@
           <a:p>
             <a:fld id="{193AE0FE-B622-4B32-8F34-DAF9A5AB08FD}" type="datetimeFigureOut">
               <a:rPr lang="en-US" smtClean="0"/>
-              <a:t>2/21/2019</a:t>
+              <a:t>3/25/2019</a:t>
             </a:fld>
             <a:endParaRPr lang="en-US"/>
           </a:p>
@@ -1894,7 +1909,7 @@
           <a:p>
             <a:fld id="{193AE0FE-B622-4B32-8F34-DAF9A5AB08FD}" type="datetimeFigureOut">
               <a:rPr lang="en-US" smtClean="0"/>
-              <a:t>2/21/2019</a:t>
+              <a:t>3/25/2019</a:t>
             </a:fld>
             <a:endParaRPr lang="en-US"/>
           </a:p>
@@ -1989,7 +2004,7 @@
           <a:p>
             <a:fld id="{193AE0FE-B622-4B32-8F34-DAF9A5AB08FD}" type="datetimeFigureOut">
               <a:rPr lang="en-US" smtClean="0"/>
-              <a:t>2/21/2019</a:t>
+              <a:t>3/25/2019</a:t>
             </a:fld>
             <a:endParaRPr lang="en-US"/>
           </a:p>
@@ -2266,7 +2281,7 @@
           <a:p>
             <a:fld id="{193AE0FE-B622-4B32-8F34-DAF9A5AB08FD}" type="datetimeFigureOut">
               <a:rPr lang="en-US" smtClean="0"/>
-              <a:t>2/21/2019</a:t>
+              <a:t>3/25/2019</a:t>
             </a:fld>
             <a:endParaRPr lang="en-US"/>
           </a:p>
@@ -2519,7 +2534,7 @@
           <a:p>
             <a:fld id="{193AE0FE-B622-4B32-8F34-DAF9A5AB08FD}" type="datetimeFigureOut">
               <a:rPr lang="en-US" smtClean="0"/>
-              <a:t>2/21/2019</a:t>
+              <a:t>3/25/2019</a:t>
             </a:fld>
             <a:endParaRPr lang="en-US"/>
           </a:p>
@@ -2741,7 +2756,7 @@
           <a:p>
             <a:fld id="{193AE0FE-B622-4B32-8F34-DAF9A5AB08FD}" type="datetimeFigureOut">
               <a:rPr lang="en-US" smtClean="0"/>
-              <a:t>2/21/2019</a:t>
+              <a:t>3/25/2019</a:t>
             </a:fld>
             <a:endParaRPr lang="en-US"/>
           </a:p>
@@ -3457,7 +3472,7 @@
         <p:spPr>
           <a:xfrm>
             <a:off x="914400" y="1083247"/>
-            <a:ext cx="7543800" cy="4401205"/>
+            <a:ext cx="7543800" cy="5016758"/>
           </a:xfrm>
           <a:prstGeom prst="rect">
             <a:avLst/>
@@ -3514,8 +3529,65 @@
                 <a:latin typeface="Courier New" pitchFamily="49" charset="0"/>
                 <a:cs typeface="Courier New" pitchFamily="49" charset="0"/>
               </a:rPr>
-              <a:t>	This website will serves as an online travel blog for the people who likes adventure</a:t>
-            </a:r>
+              <a:t>	This website will serves as an online </a:t>
+            </a:r>
+            <a:r>
+              <a:rPr lang="en-US" sz="4000" b="1" dirty="0" smtClean="0">
+                <a:ln>
+                  <a:solidFill>
+                    <a:schemeClr val="tx1"/>
+                  </a:solidFill>
+                </a:ln>
+                <a:solidFill>
+                  <a:schemeClr val="bg1"/>
+                </a:solidFill>
+                <a:latin typeface="Courier New" pitchFamily="49" charset="0"/>
+                <a:cs typeface="Courier New" pitchFamily="49" charset="0"/>
+              </a:rPr>
+              <a:t>photo album for </a:t>
+            </a:r>
+            <a:r>
+              <a:rPr lang="en-US" sz="4000" b="1" dirty="0" smtClean="0">
+                <a:ln>
+                  <a:solidFill>
+                    <a:schemeClr val="tx1"/>
+                  </a:solidFill>
+                </a:ln>
+                <a:solidFill>
+                  <a:schemeClr val="bg1"/>
+                </a:solidFill>
+                <a:latin typeface="Courier New" pitchFamily="49" charset="0"/>
+                <a:cs typeface="Courier New" pitchFamily="49" charset="0"/>
+              </a:rPr>
+              <a:t>the people who likes </a:t>
+            </a:r>
+            <a:r>
+              <a:rPr lang="en-US" sz="4000" b="1" dirty="0" smtClean="0">
+                <a:ln>
+                  <a:solidFill>
+                    <a:schemeClr val="tx1"/>
+                  </a:solidFill>
+                </a:ln>
+                <a:solidFill>
+                  <a:schemeClr val="bg1"/>
+                </a:solidFill>
+                <a:latin typeface="Courier New" pitchFamily="49" charset="0"/>
+                <a:cs typeface="Courier New" pitchFamily="49" charset="0"/>
+              </a:rPr>
+              <a:t>adventure, food trips and exciting activities</a:t>
+            </a:r>
+            <a:endParaRPr lang="en-US" sz="4000" b="1" dirty="0" smtClean="0">
+              <a:ln>
+                <a:solidFill>
+                  <a:schemeClr val="tx1"/>
+                </a:solidFill>
+              </a:ln>
+              <a:solidFill>
+                <a:schemeClr val="bg1"/>
+              </a:solidFill>
+              <a:latin typeface="Courier New" pitchFamily="49" charset="0"/>
+              <a:cs typeface="Courier New" pitchFamily="49" charset="0"/>
+            </a:endParaRPr>
           </a:p>
         </p:txBody>
       </p:sp>
@@ -3668,116 +3740,8 @@
                 <a:latin typeface="Courier New" pitchFamily="49" charset="0"/>
                 <a:cs typeface="Courier New" pitchFamily="49" charset="0"/>
               </a:rPr>
-              <a:t>	This website will help other adventurers to know the other skills they could learn in a particular country most especially its culture and tradition</a:t>
-            </a:r>
-          </a:p>
-        </p:txBody>
-      </p:sp>
-    </p:spTree>
-    <p:extLst>
-      <p:ext uri="{BB962C8B-B14F-4D97-AF65-F5344CB8AC3E}">
-        <p14:creationId xmlns:p14="http://schemas.microsoft.com/office/powerpoint/2010/main" val="3285269414"/>
-      </p:ext>
-    </p:extLst>
-  </p:cSld>
-  <p:clrMapOvr>
-    <a:masterClrMapping/>
-  </p:clrMapOvr>
-</p:sld>
-</file>
-
-<file path=ppt/slides/slide13.xml><?xml version="1.0" encoding="utf-8"?>
-<p:sld xmlns:a="http://schemas.openxmlformats.org/drawingml/2006/main" xmlns:r="http://schemas.openxmlformats.org/officeDocument/2006/relationships" xmlns:p="http://schemas.openxmlformats.org/presentationml/2006/main">
-  <p:cSld>
-    <p:spTree>
-      <p:nvGrpSpPr>
-        <p:cNvPr id="1" name=""/>
-        <p:cNvGrpSpPr/>
-        <p:nvPr/>
-      </p:nvGrpSpPr>
-      <p:grpSpPr>
-        <a:xfrm>
-          <a:off x="0" y="0"/>
-          <a:ext cx="0" cy="0"/>
-          <a:chOff x="0" y="0"/>
-          <a:chExt cx="0" cy="0"/>
-        </a:xfrm>
-      </p:grpSpPr>
-      <p:sp>
-        <p:nvSpPr>
-          <p:cNvPr id="2" name="Rectangle 1"/>
-          <p:cNvSpPr/>
-          <p:nvPr/>
-        </p:nvSpPr>
-        <p:spPr>
-          <a:xfrm>
-            <a:off x="717645" y="762000"/>
-            <a:ext cx="7772400" cy="5410200"/>
-          </a:xfrm>
-          <a:prstGeom prst="rect">
-            <a:avLst/>
-          </a:prstGeom>
-          <a:solidFill>
-            <a:schemeClr val="bg1">
-              <a:lumMod val="65000"/>
-              <a:alpha val="64000"/>
-            </a:schemeClr>
-          </a:solidFill>
-          <a:ln>
-            <a:solidFill>
-              <a:schemeClr val="bg1">
-                <a:lumMod val="65000"/>
-              </a:schemeClr>
-            </a:solidFill>
-          </a:ln>
-        </p:spPr>
-        <p:style>
-          <a:lnRef idx="2">
-            <a:schemeClr val="accent1">
-              <a:shade val="50000"/>
-            </a:schemeClr>
-          </a:lnRef>
-          <a:fillRef idx="1">
-            <a:schemeClr val="accent1"/>
-          </a:fillRef>
-          <a:effectRef idx="0">
-            <a:schemeClr val="accent1"/>
-          </a:effectRef>
-          <a:fontRef idx="minor">
-            <a:schemeClr val="lt1"/>
-          </a:fontRef>
-        </p:style>
-        <p:txBody>
-          <a:bodyPr rtlCol="0" anchor="ctr"/>
-          <a:lstStyle/>
-          <a:p>
-            <a:pPr algn="ctr"/>
-            <a:endParaRPr lang="en-US"/>
-          </a:p>
-        </p:txBody>
-      </p:sp>
-      <p:sp>
-        <p:nvSpPr>
-          <p:cNvPr id="3" name="TextBox 2"/>
-          <p:cNvSpPr txBox="1"/>
-          <p:nvPr/>
-        </p:nvSpPr>
-        <p:spPr>
-          <a:xfrm>
-            <a:off x="914400" y="990600"/>
-            <a:ext cx="7543800" cy="4524315"/>
-          </a:xfrm>
-          <a:prstGeom prst="rect">
-            <a:avLst/>
-          </a:prstGeom>
-          <a:noFill/>
-        </p:spPr>
-        <p:txBody>
-          <a:bodyPr wrap="square" rtlCol="0">
-            <a:spAutoFit/>
-          </a:bodyPr>
-          <a:lstStyle/>
-          <a:p>
+              <a:t>	This website will help other </a:t>
+            </a:r>
             <a:r>
               <a:rPr lang="en-US" sz="3600" b="1" dirty="0" smtClean="0">
                 <a:ln>
@@ -3791,24 +3755,8 @@
                 <a:latin typeface="Courier New" pitchFamily="49" charset="0"/>
                 <a:cs typeface="Courier New" pitchFamily="49" charset="0"/>
               </a:rPr>
-              <a:t>PEOPLE ARE CONNECTED AROUND THE WORLD</a:t>
-            </a:r>
-          </a:p>
-          <a:p>
-            <a:endParaRPr lang="en-US" sz="3600" b="1" dirty="0">
-              <a:ln>
-                <a:solidFill>
-                  <a:schemeClr val="tx1"/>
-                </a:solidFill>
-              </a:ln>
-              <a:solidFill>
-                <a:schemeClr val="bg1"/>
-              </a:solidFill>
-              <a:latin typeface="Courier New" pitchFamily="49" charset="0"/>
-              <a:cs typeface="Courier New" pitchFamily="49" charset="0"/>
-            </a:endParaRPr>
-          </a:p>
-          <a:p>
+              <a:t>users </a:t>
+            </a:r>
             <a:r>
               <a:rPr lang="en-US" sz="3600" b="1" dirty="0" smtClean="0">
                 <a:ln>
@@ -3822,15 +3770,42 @@
                 <a:latin typeface="Courier New" pitchFamily="49" charset="0"/>
                 <a:cs typeface="Courier New" pitchFamily="49" charset="0"/>
               </a:rPr>
-              <a:t>	Even the people who don’t have much time travelling can see the beautiful places other travellers </a:t>
-            </a:r>
+              <a:t>to know the other skills they could learn in a particular </a:t>
+            </a:r>
+            <a:r>
+              <a:rPr lang="en-US" sz="3600" b="1" dirty="0" smtClean="0">
+                <a:ln>
+                  <a:solidFill>
+                    <a:schemeClr val="tx1"/>
+                  </a:solidFill>
+                </a:ln>
+                <a:solidFill>
+                  <a:schemeClr val="bg1"/>
+                </a:solidFill>
+                <a:latin typeface="Courier New" pitchFamily="49" charset="0"/>
+                <a:cs typeface="Courier New" pitchFamily="49" charset="0"/>
+              </a:rPr>
+              <a:t>thing and may see some of the places they have never been on</a:t>
+            </a:r>
+            <a:endParaRPr lang="en-US" sz="3600" b="1" dirty="0" smtClean="0">
+              <a:ln>
+                <a:solidFill>
+                  <a:schemeClr val="tx1"/>
+                </a:solidFill>
+              </a:ln>
+              <a:solidFill>
+                <a:schemeClr val="bg1"/>
+              </a:solidFill>
+              <a:latin typeface="Courier New" pitchFamily="49" charset="0"/>
+              <a:cs typeface="Courier New" pitchFamily="49" charset="0"/>
+            </a:endParaRPr>
           </a:p>
         </p:txBody>
       </p:sp>
     </p:spTree>
     <p:extLst>
       <p:ext uri="{BB962C8B-B14F-4D97-AF65-F5344CB8AC3E}">
-        <p14:creationId xmlns:p14="http://schemas.microsoft.com/office/powerpoint/2010/main" val="1850092605"/>
+        <p14:creationId xmlns:p14="http://schemas.microsoft.com/office/powerpoint/2010/main" val="3285269414"/>
       </p:ext>
     </p:extLst>
   </p:cSld>
@@ -3933,6 +3908,36 @@
           <a:xfrm>
             <a:off x="1277563" y="1276773"/>
             <a:ext cx="6652564" cy="4311205"/>
+          </a:xfrm>
+          <a:prstGeom prst="rect">
+            <a:avLst/>
+          </a:prstGeom>
+        </p:spPr>
+      </p:pic>
+      <p:pic>
+        <p:nvPicPr>
+          <p:cNvPr id="3" name="Picture 2"/>
+          <p:cNvPicPr>
+            <a:picLocks noChangeAspect="1"/>
+          </p:cNvPicPr>
+          <p:nvPr/>
+        </p:nvPicPr>
+        <p:blipFill>
+          <a:blip r:embed="rId3">
+            <a:extLst>
+              <a:ext uri="{28A0092B-C50C-407E-A947-70E740481C1C}">
+                <a14:useLocalDpi xmlns:a14="http://schemas.microsoft.com/office/drawing/2010/main" val="0"/>
+              </a:ext>
+            </a:extLst>
+          </a:blip>
+          <a:stretch>
+            <a:fillRect/>
+          </a:stretch>
+        </p:blipFill>
+        <p:spPr>
+          <a:xfrm>
+            <a:off x="1276777" y="1285414"/>
+            <a:ext cx="6653350" cy="4302564"/>
           </a:xfrm>
           <a:prstGeom prst="rect">
             <a:avLst/>
@@ -4087,6 +4092,36 @@
           </a:prstGeom>
         </p:spPr>
       </p:pic>
+      <p:pic>
+        <p:nvPicPr>
+          <p:cNvPr id="4" name="Picture 3"/>
+          <p:cNvPicPr>
+            <a:picLocks noChangeAspect="1"/>
+          </p:cNvPicPr>
+          <p:nvPr/>
+        </p:nvPicPr>
+        <p:blipFill>
+          <a:blip r:embed="rId4">
+            <a:extLst>
+              <a:ext uri="{28A0092B-C50C-407E-A947-70E740481C1C}">
+                <a14:useLocalDpi xmlns:a14="http://schemas.microsoft.com/office/drawing/2010/main" val="0"/>
+              </a:ext>
+            </a:extLst>
+          </a:blip>
+          <a:stretch>
+            <a:fillRect/>
+          </a:stretch>
+        </p:blipFill>
+        <p:spPr>
+          <a:xfrm>
+            <a:off x="1277563" y="1243286"/>
+            <a:ext cx="6652563" cy="4344692"/>
+          </a:xfrm>
+          <a:prstGeom prst="rect">
+            <a:avLst/>
+          </a:prstGeom>
+        </p:spPr>
+      </p:pic>
     </p:spTree>
     <p:extLst>
       <p:ext uri="{BB962C8B-B14F-4D97-AF65-F5344CB8AC3E}">
@@ -4287,6 +4322,36 @@
           <a:xfrm>
             <a:off x="1277563" y="1250730"/>
             <a:ext cx="6652564" cy="4337248"/>
+          </a:xfrm>
+          <a:prstGeom prst="rect">
+            <a:avLst/>
+          </a:prstGeom>
+        </p:spPr>
+      </p:pic>
+      <p:pic>
+        <p:nvPicPr>
+          <p:cNvPr id="7" name="Picture 6"/>
+          <p:cNvPicPr>
+            <a:picLocks noChangeAspect="1"/>
+          </p:cNvPicPr>
+          <p:nvPr/>
+        </p:nvPicPr>
+        <p:blipFill>
+          <a:blip r:embed="rId6">
+            <a:extLst>
+              <a:ext uri="{28A0092B-C50C-407E-A947-70E740481C1C}">
+                <a14:useLocalDpi xmlns:a14="http://schemas.microsoft.com/office/drawing/2010/main" val="0"/>
+              </a:ext>
+            </a:extLst>
+          </a:blip>
+          <a:stretch>
+            <a:fillRect/>
+          </a:stretch>
+        </p:blipFill>
+        <p:spPr>
+          <a:xfrm>
+            <a:off x="1277563" y="1243286"/>
+            <a:ext cx="6652563" cy="4364948"/>
           </a:xfrm>
           <a:prstGeom prst="rect">
             <a:avLst/>
@@ -4459,6 +4524,36 @@
           </a:blip>
           <a:srcRect b="6285"/>
           <a:stretch/>
+        </p:blipFill>
+        <p:spPr>
+          <a:xfrm>
+            <a:off x="1277563" y="1250730"/>
+            <a:ext cx="6652564" cy="4337247"/>
+          </a:xfrm>
+          <a:prstGeom prst="rect">
+            <a:avLst/>
+          </a:prstGeom>
+        </p:spPr>
+      </p:pic>
+      <p:pic>
+        <p:nvPicPr>
+          <p:cNvPr id="6" name="Picture 5"/>
+          <p:cNvPicPr>
+            <a:picLocks noChangeAspect="1"/>
+          </p:cNvPicPr>
+          <p:nvPr/>
+        </p:nvPicPr>
+        <p:blipFill>
+          <a:blip r:embed="rId5">
+            <a:extLst>
+              <a:ext uri="{28A0092B-C50C-407E-A947-70E740481C1C}">
+                <a14:useLocalDpi xmlns:a14="http://schemas.microsoft.com/office/drawing/2010/main" val="0"/>
+              </a:ext>
+            </a:extLst>
+          </a:blip>
+          <a:stretch>
+            <a:fillRect/>
+          </a:stretch>
         </p:blipFill>
         <p:spPr>
           <a:xfrm>
